--- a/H3/H3.pptx
+++ b/H3/H3.pptx
@@ -5,7 +5,7 @@
     <p:sldMasterId id="2147483648" r:id="rId1"/>
   </p:sldMasterIdLst>
   <p:notesMasterIdLst>
-    <p:notesMasterId r:id="rId22"/>
+    <p:notesMasterId r:id="rId23"/>
   </p:notesMasterIdLst>
   <p:sldIdLst>
     <p:sldId id="256" r:id="rId2"/>
@@ -25,9 +25,10 @@
     <p:sldId id="271" r:id="rId16"/>
     <p:sldId id="272" r:id="rId17"/>
     <p:sldId id="274" r:id="rId18"/>
-    <p:sldId id="275" r:id="rId19"/>
-    <p:sldId id="276" r:id="rId20"/>
-    <p:sldId id="277" r:id="rId21"/>
+    <p:sldId id="276" r:id="rId19"/>
+    <p:sldId id="278" r:id="rId20"/>
+    <p:sldId id="280" r:id="rId21"/>
+    <p:sldId id="275" r:id="rId22"/>
   </p:sldIdLst>
   <p:sldSz cx="12192000" cy="6858000"/>
   <p:notesSz cx="6858000" cy="9144000"/>
@@ -4928,6 +4929,15 @@
               <a:rPr lang="tr-TR" dirty="0"/>
               <a:t>else:    </a:t>
             </a:r>
+          </a:p>
+          <a:p>
+            <a:pPr marL="0" indent="0">
+              <a:buNone/>
+            </a:pPr>
+            <a:r>
+              <a:rPr lang="tr-TR" dirty="0"/>
+              <a:t>	</a:t>
+            </a:r>
             <a:r>
               <a:rPr lang="tr-TR" dirty="0" err="1"/>
               <a:t>print</a:t>
@@ -6359,7 +6369,7 @@
           <p:cNvPr id="2" name="Unvan 1">
             <a:extLst>
               <a:ext uri="{FF2B5EF4-FFF2-40B4-BE49-F238E27FC236}">
-                <a16:creationId xmlns:a16="http://schemas.microsoft.com/office/drawing/2014/main" id="{08F8B929-57DD-1741-9815-774D7442E102}"/>
+                <a16:creationId xmlns:a16="http://schemas.microsoft.com/office/drawing/2014/main" id="{5053886C-A4B6-BE47-9FB7-FBD3B3CB6132}"/>
               </a:ext>
             </a:extLst>
           </p:cNvPr>
@@ -6377,7 +6387,7 @@
           <a:p>
             <a:r>
               <a:rPr lang="tr-TR" b="1" dirty="0"/>
-              <a:t>Ödev</a:t>
+              <a:t>İstisna İşleme</a:t>
             </a:r>
           </a:p>
         </p:txBody>
@@ -6387,7 +6397,7 @@
           <p:cNvPr id="3" name="İçerik Yer Tutucusu 2">
             <a:extLst>
               <a:ext uri="{FF2B5EF4-FFF2-40B4-BE49-F238E27FC236}">
-                <a16:creationId xmlns:a16="http://schemas.microsoft.com/office/drawing/2014/main" id="{AB6DC116-B92F-4C45-A395-519357CD94EE}"/>
+                <a16:creationId xmlns:a16="http://schemas.microsoft.com/office/drawing/2014/main" id="{D66248E1-F3E0-FD46-915E-143CC944724D}"/>
               </a:ext>
             </a:extLst>
           </p:cNvPr>
@@ -6404,52 +6414,121 @@
           <a:lstStyle/>
           <a:p>
             <a:r>
-              <a:rPr lang="tr-TR" dirty="0"/>
-              <a:t>Elemanları 1-9 arası rakamlar içeren 100 elemanlı bir </a:t>
-            </a:r>
-            <a:r>
-              <a:rPr lang="tr-TR" dirty="0" err="1"/>
-              <a:t>random</a:t>
-            </a:r>
-            <a:r>
-              <a:rPr lang="tr-TR" dirty="0"/>
-              <a:t> bir liste üreterek, bu liste üzerinde her bir rakamın kaç defa geçtiğini gösteren bir sözlük yapısı kurun. </a:t>
-            </a:r>
-          </a:p>
-          <a:p>
-            <a:pPr marL="457200" lvl="1" indent="0">
-              <a:buNone/>
-            </a:pPr>
-            <a:r>
-              <a:rPr lang="tr-TR" dirty="0"/>
-              <a:t>	(not: Hazır fonksiyonlar kullanılmadan yapılacak)</a:t>
-            </a:r>
-          </a:p>
-          <a:p>
+              <a:rPr lang="tr-TR" b="1" dirty="0"/>
+              <a:t>Tipine Göre Hatalar</a:t>
+            </a:r>
+          </a:p>
+          <a:p>
+            <a:pPr lvl="1"/>
+            <a:r>
+              <a:rPr lang="tr-TR" dirty="0"/>
+              <a:t>Programcı Hataları (</a:t>
+            </a:r>
+            <a:r>
+              <a:rPr lang="tr-TR" dirty="0" err="1"/>
+              <a:t>Error</a:t>
+            </a:r>
+            <a:r>
+              <a:rPr lang="tr-TR" dirty="0"/>
+              <a:t>)</a:t>
+            </a:r>
+          </a:p>
+          <a:p>
+            <a:pPr lvl="2"/>
+            <a:r>
+              <a:rPr lang="tr-TR" dirty="0" err="1"/>
+              <a:t>Syntax</a:t>
+            </a:r>
+            <a:r>
+              <a:rPr lang="tr-TR" dirty="0"/>
+              <a:t> hataları</a:t>
+            </a:r>
+          </a:p>
+          <a:p>
+            <a:pPr lvl="1"/>
+            <a:r>
+              <a:rPr lang="tr-TR" dirty="0"/>
+              <a:t>Program Kusurları (</a:t>
+            </a:r>
+            <a:r>
+              <a:rPr lang="tr-TR" dirty="0" err="1"/>
+              <a:t>Bug</a:t>
+            </a:r>
+            <a:r>
+              <a:rPr lang="tr-TR" dirty="0"/>
+              <a:t>)</a:t>
+            </a:r>
+          </a:p>
+          <a:p>
+            <a:pPr lvl="2"/>
+            <a:r>
+              <a:rPr lang="tr-TR" dirty="0"/>
+              <a:t>Dilden kaynaklı hatalar (Update yada </a:t>
+            </a:r>
+            <a:r>
+              <a:rPr lang="tr-TR" dirty="0" err="1"/>
+              <a:t>fix</a:t>
+            </a:r>
+            <a:r>
+              <a:rPr lang="tr-TR" dirty="0"/>
+              <a:t> ile çözülebilir)</a:t>
+            </a:r>
+          </a:p>
+          <a:p>
+            <a:pPr lvl="1"/>
+            <a:r>
+              <a:rPr lang="tr-TR" dirty="0" err="1"/>
+              <a:t>İstisnalar</a:t>
+            </a:r>
+            <a:r>
+              <a:rPr lang="tr-TR" dirty="0"/>
+              <a:t> (</a:t>
+            </a:r>
+            <a:r>
+              <a:rPr lang="tr-TR" dirty="0" err="1"/>
+              <a:t>Exception</a:t>
+            </a:r>
+            <a:r>
+              <a:rPr lang="tr-TR" dirty="0"/>
+              <a:t>) </a:t>
+            </a:r>
+          </a:p>
+          <a:p>
+            <a:pPr lvl="2"/>
+            <a:r>
+              <a:rPr lang="tr-TR" dirty="0"/>
+              <a:t>Programcıdan kaynaklı hatalar (Çalışma zamanında oluşur)</a:t>
+            </a:r>
+          </a:p>
+          <a:p>
+            <a:pPr marL="914400" lvl="2" indent="0">
+              <a:buNone/>
+            </a:pPr>
             <a:endParaRPr lang="tr-TR" dirty="0"/>
           </a:p>
           <a:p>
             <a:r>
-              <a:rPr lang="tr-TR" dirty="0"/>
-              <a:t>10 elemanlı bir liste üretilecek (bu listenin her bir elemanı 5 elemanlı 0-1 arası değer içeren </a:t>
-            </a:r>
-            <a:r>
-              <a:rPr lang="tr-TR" dirty="0" err="1"/>
-              <a:t>random</a:t>
-            </a:r>
-            <a:r>
-              <a:rPr lang="tr-TR" dirty="0"/>
-              <a:t> elemanlardan oluşacak) 2.boyuttaki listelerin toplamları birbirine en yakın 2 eleman bulunarak yazdırılacak.</a:t>
-            </a:r>
-          </a:p>
-          <a:p>
-            <a:pPr marL="914400" lvl="2" indent="0">
-              <a:buNone/>
-            </a:pPr>
-            <a:r>
-              <a:rPr lang="tr-TR" dirty="0"/>
-              <a:t>(not: Hazır fonksiyonlar kullanılmadan yapılacak)</a:t>
-            </a:r>
+              <a:rPr lang="tr-TR" b="1" dirty="0"/>
+              <a:t>Çalışma Zamanına Göre Hatalar</a:t>
+            </a:r>
+          </a:p>
+          <a:p>
+            <a:pPr lvl="1"/>
+            <a:r>
+              <a:rPr lang="tr-TR" dirty="0"/>
+              <a:t>Derleme zamanı hataları</a:t>
+            </a:r>
+          </a:p>
+          <a:p>
+            <a:pPr lvl="1"/>
+            <a:r>
+              <a:rPr lang="tr-TR" dirty="0"/>
+              <a:t>Çalışma zamanı hataları</a:t>
+            </a:r>
+          </a:p>
+          <a:p>
+            <a:pPr lvl="1"/>
+            <a:endParaRPr lang="tr-TR" dirty="0"/>
           </a:p>
         </p:txBody>
       </p:sp>
@@ -6458,7 +6537,7 @@
           <p:cNvPr id="4" name="Alt Bilgi Yer Tutucusu 3">
             <a:extLst>
               <a:ext uri="{FF2B5EF4-FFF2-40B4-BE49-F238E27FC236}">
-                <a16:creationId xmlns:a16="http://schemas.microsoft.com/office/drawing/2014/main" id="{40B43FE3-8E67-004D-BF67-D0B1032D3577}"/>
+                <a16:creationId xmlns:a16="http://schemas.microsoft.com/office/drawing/2014/main" id="{FF0F25CB-388F-CC4F-BD64-CEC47A85EE1E}"/>
               </a:ext>
             </a:extLst>
           </p:cNvPr>
@@ -6484,7 +6563,7 @@
     </p:spTree>
     <p:extLst>
       <p:ext uri="{BB962C8B-B14F-4D97-AF65-F5344CB8AC3E}">
-        <p14:creationId xmlns:p14="http://schemas.microsoft.com/office/powerpoint/2010/main" val="3117186900"/>
+        <p14:creationId xmlns:p14="http://schemas.microsoft.com/office/powerpoint/2010/main" val="1526188240"/>
       </p:ext>
     </p:extLst>
   </p:cSld>
@@ -6516,7 +6595,7 @@
           <p:cNvPr id="2" name="Unvan 1">
             <a:extLst>
               <a:ext uri="{FF2B5EF4-FFF2-40B4-BE49-F238E27FC236}">
-                <a16:creationId xmlns:a16="http://schemas.microsoft.com/office/drawing/2014/main" id="{5053886C-A4B6-BE47-9FB7-FBD3B3CB6132}"/>
+                <a16:creationId xmlns:a16="http://schemas.microsoft.com/office/drawing/2014/main" id="{7FB648FD-2110-2743-B103-EFD25D705188}"/>
               </a:ext>
             </a:extLst>
           </p:cNvPr>
@@ -6534,8 +6613,9 @@
           <a:p>
             <a:r>
               <a:rPr lang="tr-TR" b="1" dirty="0"/>
-              <a:t>İstisna İşleme</a:t>
-            </a:r>
+              <a:t>Temel İstisna İşleme Mekanizması</a:t>
+            </a:r>
+            <a:endParaRPr lang="tr-TR" dirty="0"/>
           </a:p>
         </p:txBody>
       </p:sp>
@@ -6544,147 +6624,268 @@
           <p:cNvPr id="3" name="İçerik Yer Tutucusu 2">
             <a:extLst>
               <a:ext uri="{FF2B5EF4-FFF2-40B4-BE49-F238E27FC236}">
-                <a16:creationId xmlns:a16="http://schemas.microsoft.com/office/drawing/2014/main" id="{D66248E1-F3E0-FD46-915E-143CC944724D}"/>
-              </a:ext>
-            </a:extLst>
-          </p:cNvPr>
-          <p:cNvSpPr>
-            <a:spLocks noGrp="1"/>
-          </p:cNvSpPr>
-          <p:nvPr>
-            <p:ph idx="1"/>
-          </p:nvPr>
-        </p:nvSpPr>
-        <p:spPr/>
-        <p:txBody>
-          <a:bodyPr/>
-          <a:lstStyle/>
-          <a:p>
+                <a16:creationId xmlns:a16="http://schemas.microsoft.com/office/drawing/2014/main" id="{19E134B2-04E4-F945-A85F-FBB34FB2A196}"/>
+              </a:ext>
+            </a:extLst>
+          </p:cNvPr>
+          <p:cNvSpPr>
+            <a:spLocks noGrp="1"/>
+          </p:cNvSpPr>
+          <p:nvPr>
+            <p:ph sz="half" idx="1"/>
+          </p:nvPr>
+        </p:nvSpPr>
+        <p:spPr/>
+        <p:txBody>
+          <a:bodyPr>
+            <a:normAutofit lnSpcReduction="10000"/>
+          </a:bodyPr>
+          <a:lstStyle/>
+          <a:p>
+            <a:pPr marL="0" indent="0">
+              <a:buNone/>
+            </a:pPr>
+            <a:r>
+              <a:rPr lang="tr-TR" dirty="0"/>
+              <a:t>a=10</a:t>
+            </a:r>
+          </a:p>
+          <a:p>
+            <a:pPr marL="0" indent="0">
+              <a:buNone/>
+            </a:pPr>
+            <a:r>
+              <a:rPr lang="tr-TR" dirty="0"/>
+              <a:t>b=0</a:t>
+            </a:r>
+          </a:p>
+          <a:p>
+            <a:pPr marL="0" indent="0">
+              <a:buNone/>
+            </a:pPr>
+            <a:r>
+              <a:rPr lang="tr-TR" dirty="0" err="1"/>
+              <a:t>try</a:t>
+            </a:r>
+            <a:r>
+              <a:rPr lang="tr-TR" dirty="0"/>
+              <a:t>:    </a:t>
+            </a:r>
+          </a:p>
+          <a:p>
+            <a:pPr marL="0" indent="0">
+              <a:buNone/>
+            </a:pPr>
+            <a:r>
+              <a:rPr lang="tr-TR" dirty="0"/>
+              <a:t>	c=a/b    </a:t>
+            </a:r>
+          </a:p>
+          <a:p>
+            <a:pPr marL="0" indent="0">
+              <a:buNone/>
+            </a:pPr>
+            <a:r>
+              <a:rPr lang="tr-TR" dirty="0"/>
+              <a:t>	</a:t>
+            </a:r>
+            <a:r>
+              <a:rPr lang="tr-TR" dirty="0" err="1"/>
+              <a:t>print</a:t>
+            </a:r>
+            <a:r>
+              <a:rPr lang="tr-TR" dirty="0"/>
+              <a:t> c</a:t>
+            </a:r>
+          </a:p>
+          <a:p>
+            <a:pPr marL="0" indent="0">
+              <a:buNone/>
+            </a:pPr>
+            <a:r>
+              <a:rPr lang="tr-TR" dirty="0" err="1"/>
+              <a:t>except</a:t>
+            </a:r>
+            <a:r>
+              <a:rPr lang="tr-TR" dirty="0"/>
+              <a:t> </a:t>
+            </a:r>
+            <a:r>
+              <a:rPr lang="tr-TR" dirty="0" err="1"/>
+              <a:t>ZeroDivisionError</a:t>
+            </a:r>
+            <a:r>
+              <a:rPr lang="tr-TR" dirty="0"/>
+              <a:t> as e:    </a:t>
+            </a:r>
+          </a:p>
+          <a:p>
+            <a:pPr marL="0" indent="0">
+              <a:buNone/>
+            </a:pPr>
+            <a:r>
+              <a:rPr lang="tr-TR" dirty="0"/>
+              <a:t>	</a:t>
+            </a:r>
+            <a:r>
+              <a:rPr lang="tr-TR" dirty="0" err="1"/>
+              <a:t>print</a:t>
+            </a:r>
+            <a:r>
+              <a:rPr lang="tr-TR" dirty="0"/>
+              <a:t> "hata"</a:t>
+            </a:r>
+          </a:p>
+          <a:p>
+            <a:pPr marL="0" indent="0">
+              <a:buNone/>
+            </a:pPr>
+            <a:r>
+              <a:rPr lang="tr-TR" dirty="0" err="1"/>
+              <a:t>finally</a:t>
+            </a:r>
+            <a:r>
+              <a:rPr lang="tr-TR" dirty="0"/>
+              <a:t>:    </a:t>
+            </a:r>
+          </a:p>
+          <a:p>
+            <a:pPr marL="0" indent="0">
+              <a:buNone/>
+            </a:pPr>
+            <a:r>
+              <a:rPr lang="tr-TR" dirty="0"/>
+              <a:t>	</a:t>
+            </a:r>
+            <a:r>
+              <a:rPr lang="tr-TR" dirty="0" err="1"/>
+              <a:t>print</a:t>
+            </a:r>
+            <a:r>
+              <a:rPr lang="tr-TR" dirty="0"/>
+              <a:t> "Son"</a:t>
+            </a:r>
+          </a:p>
+          <a:p>
+            <a:pPr marL="0" indent="0">
+              <a:buNone/>
+            </a:pPr>
+            <a:endParaRPr lang="tr-TR" dirty="0"/>
+          </a:p>
+        </p:txBody>
+      </p:sp>
+      <p:sp>
+        <p:nvSpPr>
+          <p:cNvPr id="4" name="İçerik Yer Tutucusu 3">
+            <a:extLst>
+              <a:ext uri="{FF2B5EF4-FFF2-40B4-BE49-F238E27FC236}">
+                <a16:creationId xmlns:a16="http://schemas.microsoft.com/office/drawing/2014/main" id="{8C926EEF-32DA-FE41-AB5E-C9C69B2D544A}"/>
+              </a:ext>
+            </a:extLst>
+          </p:cNvPr>
+          <p:cNvSpPr>
+            <a:spLocks noGrp="1"/>
+          </p:cNvSpPr>
+          <p:nvPr>
+            <p:ph sz="half" idx="2"/>
+          </p:nvPr>
+        </p:nvSpPr>
+        <p:spPr/>
+        <p:txBody>
+          <a:bodyPr>
+            <a:normAutofit lnSpcReduction="10000"/>
+          </a:bodyPr>
+          <a:lstStyle/>
+          <a:p>
+            <a:pPr marL="0" indent="0">
+              <a:buNone/>
+            </a:pPr>
+            <a:r>
+              <a:rPr lang="tr-TR" b="1" dirty="0" err="1"/>
+              <a:t>try</a:t>
+            </a:r>
             <a:r>
               <a:rPr lang="tr-TR" b="1" dirty="0"/>
-              <a:t>Tipine Göre Hatalar</a:t>
-            </a:r>
-          </a:p>
-          <a:p>
-            <a:pPr lvl="1"/>
-            <a:r>
-              <a:rPr lang="tr-TR" dirty="0"/>
-              <a:t>Programcı Hataları (</a:t>
-            </a:r>
-            <a:r>
-              <a:rPr lang="tr-TR" dirty="0" err="1"/>
-              <a:t>Error</a:t>
-            </a:r>
-            <a:r>
-              <a:rPr lang="tr-TR" dirty="0"/>
-              <a:t>)</a:t>
-            </a:r>
-          </a:p>
-          <a:p>
-            <a:pPr lvl="2"/>
-            <a:r>
-              <a:rPr lang="tr-TR" dirty="0" err="1"/>
-              <a:t>Syntax</a:t>
-            </a:r>
-            <a:r>
-              <a:rPr lang="tr-TR" dirty="0"/>
-              <a:t> hataları</a:t>
-            </a:r>
-          </a:p>
-          <a:p>
-            <a:pPr lvl="1"/>
-            <a:r>
-              <a:rPr lang="tr-TR" dirty="0"/>
-              <a:t>Program Kusurları (</a:t>
-            </a:r>
-            <a:r>
-              <a:rPr lang="tr-TR" dirty="0" err="1"/>
-              <a:t>Bug</a:t>
-            </a:r>
-            <a:r>
-              <a:rPr lang="tr-TR" dirty="0"/>
-              <a:t>)</a:t>
-            </a:r>
-          </a:p>
-          <a:p>
-            <a:pPr lvl="2"/>
-            <a:r>
-              <a:rPr lang="tr-TR" dirty="0"/>
-              <a:t>Dilden kaynaklı hatalar (Update yada </a:t>
-            </a:r>
-            <a:r>
-              <a:rPr lang="tr-TR" dirty="0" err="1"/>
-              <a:t>fix</a:t>
-            </a:r>
-            <a:r>
-              <a:rPr lang="tr-TR" dirty="0"/>
-              <a:t> ile çözülebilir)</a:t>
-            </a:r>
-          </a:p>
-          <a:p>
-            <a:pPr lvl="1"/>
-            <a:r>
-              <a:rPr lang="tr-TR" dirty="0" err="1"/>
-              <a:t>İstisnalar</a:t>
-            </a:r>
-            <a:r>
-              <a:rPr lang="tr-TR" dirty="0"/>
-              <a:t> (</a:t>
-            </a:r>
-            <a:r>
-              <a:rPr lang="tr-TR" dirty="0" err="1"/>
-              <a:t>Exception</a:t>
-            </a:r>
-            <a:r>
-              <a:rPr lang="tr-TR" dirty="0"/>
-              <a:t>) </a:t>
-            </a:r>
-          </a:p>
-          <a:p>
-            <a:pPr lvl="2"/>
-            <a:r>
-              <a:rPr lang="tr-TR" dirty="0"/>
-              <a:t>Programcıdan kaynaklı hatalar (Çalışma zamanında oluşur)</a:t>
-            </a:r>
-          </a:p>
-          <a:p>
-            <a:pPr marL="914400" lvl="2" indent="0">
-              <a:buNone/>
-            </a:pPr>
-            <a:endParaRPr lang="tr-TR" dirty="0"/>
-          </a:p>
-          <a:p>
+              <a:t>:</a:t>
+            </a:r>
+          </a:p>
+          <a:p>
+            <a:pPr marL="0" indent="0">
+              <a:buNone/>
+            </a:pPr>
+            <a:r>
+              <a:rPr lang="tr-TR" dirty="0"/>
+              <a:t>	</a:t>
+            </a:r>
+            <a:r>
+              <a:rPr lang="tr-TR" sz="2400" dirty="0"/>
+              <a:t>İstisna oluşturabilecek kodlar</a:t>
+            </a:r>
+          </a:p>
+          <a:p>
+            <a:pPr marL="0" indent="0">
+              <a:buNone/>
+            </a:pPr>
+            <a:r>
+              <a:rPr lang="tr-TR" b="1" dirty="0" err="1"/>
+              <a:t>except</a:t>
+            </a:r>
             <a:r>
               <a:rPr lang="tr-TR" b="1" dirty="0"/>
-              <a:t>Çalışma Zamanına Göre Hatalar</a:t>
-            </a:r>
-          </a:p>
-          <a:p>
-            <a:pPr lvl="1"/>
-            <a:r>
-              <a:rPr lang="tr-TR" dirty="0"/>
-              <a:t>Derleme zamanı hataları</a:t>
-            </a:r>
-          </a:p>
-          <a:p>
-            <a:pPr lvl="1"/>
-            <a:r>
-              <a:rPr lang="tr-TR" dirty="0"/>
-              <a:t>Çalışma zamanı hataları</a:t>
-            </a:r>
-          </a:p>
-          <a:p>
-            <a:pPr lvl="1"/>
-            <a:endParaRPr lang="tr-TR" dirty="0"/>
-          </a:p>
-        </p:txBody>
-      </p:sp>
-      <p:sp>
-        <p:nvSpPr>
-          <p:cNvPr id="4" name="Alt Bilgi Yer Tutucusu 3">
-            <a:extLst>
-              <a:ext uri="{FF2B5EF4-FFF2-40B4-BE49-F238E27FC236}">
-                <a16:creationId xmlns:a16="http://schemas.microsoft.com/office/drawing/2014/main" id="{FF0F25CB-388F-CC4F-BD64-CEC47A85EE1E}"/>
+              <a:t>:</a:t>
+            </a:r>
+          </a:p>
+          <a:p>
+            <a:pPr marL="0" indent="0">
+              <a:buNone/>
+            </a:pPr>
+            <a:r>
+              <a:rPr lang="tr-TR" dirty="0"/>
+              <a:t>	</a:t>
+            </a:r>
+            <a:r>
+              <a:rPr lang="tr-TR" sz="2400" dirty="0"/>
+              <a:t>İstisna durumunda yapılacaklar</a:t>
+            </a:r>
+          </a:p>
+          <a:p>
+            <a:pPr marL="0" indent="0">
+              <a:buNone/>
+            </a:pPr>
+            <a:r>
+              <a:rPr lang="tr-TR" b="1" dirty="0" err="1"/>
+              <a:t>finally</a:t>
+            </a:r>
+            <a:r>
+              <a:rPr lang="tr-TR" b="1" dirty="0"/>
+              <a:t>:</a:t>
+            </a:r>
+          </a:p>
+          <a:p>
+            <a:pPr marL="0" indent="0">
+              <a:buNone/>
+            </a:pPr>
+            <a:r>
+              <a:rPr lang="tr-TR" sz="2400" dirty="0"/>
+              <a:t>	Son İşlemler (Her iki </a:t>
+            </a:r>
+            <a:r>
+              <a:rPr lang="tr-TR" sz="2400" dirty="0" err="1"/>
+              <a:t>durumdada</a:t>
+            </a:r>
+            <a:r>
+              <a:rPr lang="tr-TR" sz="2400" dirty="0"/>
+              <a:t> çalışır)</a:t>
+            </a:r>
+          </a:p>
+        </p:txBody>
+      </p:sp>
+      <p:sp>
+        <p:nvSpPr>
+          <p:cNvPr id="5" name="Alt Bilgi Yer Tutucusu 4">
+            <a:extLst>
+              <a:ext uri="{FF2B5EF4-FFF2-40B4-BE49-F238E27FC236}">
+                <a16:creationId xmlns:a16="http://schemas.microsoft.com/office/drawing/2014/main" id="{10FBEADF-3A1C-BA4C-9AC6-AAD0E606FEEC}"/>
               </a:ext>
             </a:extLst>
           </p:cNvPr>
@@ -6710,7 +6911,7 @@
     </p:spTree>
     <p:extLst>
       <p:ext uri="{BB962C8B-B14F-4D97-AF65-F5344CB8AC3E}">
-        <p14:creationId xmlns:p14="http://schemas.microsoft.com/office/powerpoint/2010/main" val="1526188240"/>
+        <p14:creationId xmlns:p14="http://schemas.microsoft.com/office/powerpoint/2010/main" val="137262960"/>
       </p:ext>
     </p:extLst>
   </p:cSld>
@@ -6797,7 +6998,7 @@
             </a:pPr>
             <a:r>
               <a:rPr lang="tr-TR" dirty="0"/>
-              <a:t>[]                # Dinamikler</a:t>
+              <a:t>[]                # Dinamiktirler</a:t>
             </a:r>
           </a:p>
           <a:p>
@@ -6918,7 +7119,7 @@
           <p:cNvPr id="2" name="Unvan 1">
             <a:extLst>
               <a:ext uri="{FF2B5EF4-FFF2-40B4-BE49-F238E27FC236}">
-                <a16:creationId xmlns:a16="http://schemas.microsoft.com/office/drawing/2014/main" id="{E160C2E0-0598-8848-90C0-7CF857FA50C7}"/>
+                <a16:creationId xmlns:a16="http://schemas.microsoft.com/office/drawing/2014/main" id="{D1661AE9-0D21-1D41-882A-164C2B4C8FEE}"/>
               </a:ext>
             </a:extLst>
           </p:cNvPr>
@@ -6936,7 +7137,7 @@
           <a:p>
             <a:r>
               <a:rPr lang="tr-TR" b="1" dirty="0"/>
-              <a:t>Temel İstisna İşleme Mekanizması</a:t>
+              <a:t>İstisna Durumları</a:t>
             </a:r>
           </a:p>
         </p:txBody>
@@ -6946,7 +7147,7 @@
           <p:cNvPr id="3" name="İçerik Yer Tutucusu 2">
             <a:extLst>
               <a:ext uri="{FF2B5EF4-FFF2-40B4-BE49-F238E27FC236}">
-                <a16:creationId xmlns:a16="http://schemas.microsoft.com/office/drawing/2014/main" id="{5070961B-4470-6D42-A6B2-E0B2957FE936}"/>
+                <a16:creationId xmlns:a16="http://schemas.microsoft.com/office/drawing/2014/main" id="{D1508078-B151-394C-A736-9154996946D3}"/>
               </a:ext>
             </a:extLst>
           </p:cNvPr>
@@ -6959,133 +7160,62 @@
         </p:nvSpPr>
         <p:spPr/>
         <p:txBody>
-          <a:bodyPr>
-            <a:normAutofit lnSpcReduction="10000"/>
-          </a:bodyPr>
-          <a:lstStyle/>
-          <a:p>
-            <a:pPr marL="0" indent="0">
-              <a:buNone/>
-            </a:pPr>
-            <a:r>
-              <a:rPr lang="tr-TR" dirty="0"/>
-              <a:t>a=10</a:t>
-            </a:r>
-          </a:p>
-          <a:p>
-            <a:pPr marL="0" indent="0">
-              <a:buNone/>
-            </a:pPr>
-            <a:r>
-              <a:rPr lang="tr-TR" dirty="0"/>
-              <a:t>b=0</a:t>
-            </a:r>
-          </a:p>
-          <a:p>
-            <a:pPr marL="0" indent="0">
-              <a:buNone/>
-            </a:pPr>
-            <a:r>
-              <a:rPr lang="tr-TR" dirty="0" err="1"/>
-              <a:t>try</a:t>
-            </a:r>
-            <a:r>
-              <a:rPr lang="tr-TR" dirty="0"/>
-              <a:t>:    </a:t>
-            </a:r>
-          </a:p>
-          <a:p>
-            <a:pPr marL="0" indent="0">
-              <a:buNone/>
-            </a:pPr>
-            <a:r>
-              <a:rPr lang="tr-TR" dirty="0"/>
-              <a:t>	c=a/b    </a:t>
-            </a:r>
-          </a:p>
-          <a:p>
-            <a:pPr marL="0" indent="0">
-              <a:buNone/>
-            </a:pPr>
-            <a:r>
-              <a:rPr lang="tr-TR" dirty="0"/>
-              <a:t>	</a:t>
-            </a:r>
-            <a:r>
-              <a:rPr lang="tr-TR" dirty="0" err="1"/>
-              <a:t>print</a:t>
-            </a:r>
-            <a:r>
-              <a:rPr lang="tr-TR" dirty="0"/>
-              <a:t> c</a:t>
-            </a:r>
-          </a:p>
-          <a:p>
-            <a:pPr marL="0" indent="0">
-              <a:buNone/>
-            </a:pPr>
-            <a:r>
-              <a:rPr lang="tr-TR" dirty="0" err="1"/>
-              <a:t>except</a:t>
-            </a:r>
-            <a:r>
-              <a:rPr lang="tr-TR" dirty="0"/>
-              <a:t> </a:t>
-            </a:r>
-            <a:r>
-              <a:rPr lang="tr-TR" dirty="0" err="1"/>
-              <a:t>ZeroDivisionError</a:t>
-            </a:r>
-            <a:r>
-              <a:rPr lang="tr-TR" dirty="0"/>
-              <a:t> as e:    </a:t>
-            </a:r>
-          </a:p>
-          <a:p>
-            <a:pPr marL="0" indent="0">
-              <a:buNone/>
-            </a:pPr>
-            <a:r>
-              <a:rPr lang="tr-TR" dirty="0"/>
-              <a:t>	</a:t>
-            </a:r>
-            <a:r>
-              <a:rPr lang="tr-TR" dirty="0" err="1"/>
-              <a:t>print</a:t>
-            </a:r>
-            <a:r>
-              <a:rPr lang="tr-TR" dirty="0"/>
-              <a:t> "hata"</a:t>
-            </a:r>
-          </a:p>
-          <a:p>
-            <a:pPr marL="0" indent="0">
-              <a:buNone/>
-            </a:pPr>
-            <a:r>
-              <a:rPr lang="tr-TR" dirty="0" err="1"/>
-              <a:t>finally</a:t>
-            </a:r>
-            <a:r>
-              <a:rPr lang="tr-TR" dirty="0"/>
-              <a:t>:    </a:t>
-            </a:r>
-          </a:p>
-          <a:p>
-            <a:pPr marL="0" indent="0">
-              <a:buNone/>
-            </a:pPr>
-            <a:r>
-              <a:rPr lang="tr-TR" dirty="0"/>
-              <a:t>	</a:t>
-            </a:r>
-            <a:r>
-              <a:rPr lang="tr-TR" dirty="0" err="1"/>
-              <a:t>print</a:t>
-            </a:r>
-            <a:r>
-              <a:rPr lang="tr-TR" dirty="0"/>
-              <a:t> "Son"</a:t>
+          <a:bodyPr/>
+          <a:lstStyle/>
+          <a:p>
+            <a:r>
+              <a:rPr lang="tr-TR" dirty="0"/>
+              <a:t>0’a bölme</a:t>
+            </a:r>
+          </a:p>
+          <a:p>
+            <a:r>
+              <a:rPr lang="tr-TR" dirty="0"/>
+              <a:t>Aritmetik işlem yaparken kullanıcının rakam yerine harf girmesi</a:t>
+            </a:r>
+          </a:p>
+          <a:p>
+            <a:r>
+              <a:rPr lang="tr-TR" dirty="0"/>
+              <a:t>Olmayan bir dosyayı okumaya çalışmak</a:t>
+            </a:r>
+          </a:p>
+          <a:p>
+            <a:r>
+              <a:rPr lang="tr-TR" dirty="0"/>
+              <a:t>Yazma izni olmayan bir dosyaya yazmaya çalışmak</a:t>
+            </a:r>
+          </a:p>
+          <a:p>
+            <a:r>
+              <a:rPr lang="tr-TR" dirty="0" err="1"/>
+              <a:t>Veritabanına</a:t>
+            </a:r>
+            <a:r>
+              <a:rPr lang="tr-TR" dirty="0"/>
+              <a:t> bağlanamadan tablo okumaya/yazmaya çalışmak</a:t>
+            </a:r>
+          </a:p>
+          <a:p>
+            <a:r>
+              <a:rPr lang="tr-TR" dirty="0" err="1"/>
+              <a:t>Vb</a:t>
+            </a:r>
+            <a:r>
+              <a:rPr lang="tr-TR" dirty="0"/>
+              <a:t>…</a:t>
+            </a:r>
+          </a:p>
+          <a:p>
+            <a:endParaRPr lang="tr-TR" dirty="0"/>
+          </a:p>
+          <a:p>
+            <a:pPr marL="0" indent="0">
+              <a:buNone/>
+            </a:pPr>
+            <a:r>
+              <a:rPr lang="tr-TR" u="sng" dirty="0"/>
+              <a:t>İstisnalar programların kilitlenmesine/yarıda kesilmesine neden olur.</a:t>
             </a:r>
           </a:p>
         </p:txBody>
@@ -7095,7 +7225,7 @@
           <p:cNvPr id="4" name="Alt Bilgi Yer Tutucusu 3">
             <a:extLst>
               <a:ext uri="{FF2B5EF4-FFF2-40B4-BE49-F238E27FC236}">
-                <a16:creationId xmlns:a16="http://schemas.microsoft.com/office/drawing/2014/main" id="{B60A1D1B-B3E6-F34C-BE0F-310870E9A84B}"/>
+                <a16:creationId xmlns:a16="http://schemas.microsoft.com/office/drawing/2014/main" id="{4CF98C70-0476-1245-B17A-49C0746F2017}"/>
               </a:ext>
             </a:extLst>
           </p:cNvPr>
@@ -7121,7 +7251,164 @@
     </p:spTree>
     <p:extLst>
       <p:ext uri="{BB962C8B-B14F-4D97-AF65-F5344CB8AC3E}">
-        <p14:creationId xmlns:p14="http://schemas.microsoft.com/office/powerpoint/2010/main" val="1618705522"/>
+        <p14:creationId xmlns:p14="http://schemas.microsoft.com/office/powerpoint/2010/main" val="1247478408"/>
+      </p:ext>
+    </p:extLst>
+  </p:cSld>
+  <p:clrMapOvr>
+    <a:masterClrMapping/>
+  </p:clrMapOvr>
+</p:sld>
+</file>
+
+<file path=ppt/slides/slide21.xml><?xml version="1.0" encoding="utf-8"?>
+<p:sld xmlns:a="http://schemas.openxmlformats.org/drawingml/2006/main" xmlns:r="http://schemas.openxmlformats.org/officeDocument/2006/relationships" xmlns:p="http://schemas.openxmlformats.org/presentationml/2006/main">
+  <p:cSld>
+    <p:spTree>
+      <p:nvGrpSpPr>
+        <p:cNvPr id="1" name=""/>
+        <p:cNvGrpSpPr/>
+        <p:nvPr/>
+      </p:nvGrpSpPr>
+      <p:grpSpPr>
+        <a:xfrm>
+          <a:off x="0" y="0"/>
+          <a:ext cx="0" cy="0"/>
+          <a:chOff x="0" y="0"/>
+          <a:chExt cx="0" cy="0"/>
+        </a:xfrm>
+      </p:grpSpPr>
+      <p:sp>
+        <p:nvSpPr>
+          <p:cNvPr id="2" name="Unvan 1">
+            <a:extLst>
+              <a:ext uri="{FF2B5EF4-FFF2-40B4-BE49-F238E27FC236}">
+                <a16:creationId xmlns:a16="http://schemas.microsoft.com/office/drawing/2014/main" id="{08F8B929-57DD-1741-9815-774D7442E102}"/>
+              </a:ext>
+            </a:extLst>
+          </p:cNvPr>
+          <p:cNvSpPr>
+            <a:spLocks noGrp="1"/>
+          </p:cNvSpPr>
+          <p:nvPr>
+            <p:ph type="title"/>
+          </p:nvPr>
+        </p:nvSpPr>
+        <p:spPr/>
+        <p:txBody>
+          <a:bodyPr/>
+          <a:lstStyle/>
+          <a:p>
+            <a:r>
+              <a:rPr lang="tr-TR" b="1" dirty="0"/>
+              <a:t>Ödev</a:t>
+            </a:r>
+          </a:p>
+        </p:txBody>
+      </p:sp>
+      <p:sp>
+        <p:nvSpPr>
+          <p:cNvPr id="3" name="İçerik Yer Tutucusu 2">
+            <a:extLst>
+              <a:ext uri="{FF2B5EF4-FFF2-40B4-BE49-F238E27FC236}">
+                <a16:creationId xmlns:a16="http://schemas.microsoft.com/office/drawing/2014/main" id="{AB6DC116-B92F-4C45-A395-519357CD94EE}"/>
+              </a:ext>
+            </a:extLst>
+          </p:cNvPr>
+          <p:cNvSpPr>
+            <a:spLocks noGrp="1"/>
+          </p:cNvSpPr>
+          <p:nvPr>
+            <p:ph idx="1"/>
+          </p:nvPr>
+        </p:nvSpPr>
+        <p:spPr/>
+        <p:txBody>
+          <a:bodyPr/>
+          <a:lstStyle/>
+          <a:p>
+            <a:r>
+              <a:rPr lang="tr-TR" dirty="0"/>
+              <a:t>Elemanları 1-9 arası rakamlar içeren 100 elemanlı bir </a:t>
+            </a:r>
+            <a:r>
+              <a:rPr lang="tr-TR" dirty="0" err="1"/>
+              <a:t>random</a:t>
+            </a:r>
+            <a:r>
+              <a:rPr lang="tr-TR" dirty="0"/>
+              <a:t> bir liste üreterek, bu liste üzerinde her bir rakamın kaç defa geçtiğini gösteren bir sözlük yapısı kurun. </a:t>
+            </a:r>
+          </a:p>
+          <a:p>
+            <a:pPr marL="457200" lvl="1" indent="0">
+              <a:buNone/>
+            </a:pPr>
+            <a:r>
+              <a:rPr lang="tr-TR" dirty="0"/>
+              <a:t>	(not: Hazır fonksiyonlar kullanılmadan yapılacak)</a:t>
+            </a:r>
+          </a:p>
+          <a:p>
+            <a:endParaRPr lang="tr-TR" dirty="0"/>
+          </a:p>
+          <a:p>
+            <a:r>
+              <a:rPr lang="tr-TR" dirty="0"/>
+              <a:t>10 elemanlı bir liste üretilecek (bu listenin her bir elemanı 5 elemanlı 0-1 arası değer içeren </a:t>
+            </a:r>
+            <a:r>
+              <a:rPr lang="tr-TR" dirty="0" err="1"/>
+              <a:t>random</a:t>
+            </a:r>
+            <a:r>
+              <a:rPr lang="tr-TR" dirty="0"/>
+              <a:t> elemanlardan oluşacak) 2.boyuttaki listelerin toplamları birbirine en yakın 2 eleman bulunarak yazdırılacak.</a:t>
+            </a:r>
+          </a:p>
+          <a:p>
+            <a:pPr marL="914400" lvl="2" indent="0">
+              <a:buNone/>
+            </a:pPr>
+            <a:r>
+              <a:rPr lang="tr-TR" dirty="0"/>
+              <a:t>(not: Hazır fonksiyonlar kullanılmadan yapılacak)</a:t>
+            </a:r>
+          </a:p>
+        </p:txBody>
+      </p:sp>
+      <p:sp>
+        <p:nvSpPr>
+          <p:cNvPr id="4" name="Alt Bilgi Yer Tutucusu 3">
+            <a:extLst>
+              <a:ext uri="{FF2B5EF4-FFF2-40B4-BE49-F238E27FC236}">
+                <a16:creationId xmlns:a16="http://schemas.microsoft.com/office/drawing/2014/main" id="{40B43FE3-8E67-004D-BF67-D0B1032D3577}"/>
+              </a:ext>
+            </a:extLst>
+          </p:cNvPr>
+          <p:cNvSpPr>
+            <a:spLocks noGrp="1"/>
+          </p:cNvSpPr>
+          <p:nvPr>
+            <p:ph type="ftr" sz="quarter" idx="11"/>
+          </p:nvPr>
+        </p:nvSpPr>
+        <p:spPr/>
+        <p:txBody>
+          <a:bodyPr/>
+          <a:lstStyle/>
+          <a:p>
+            <a:r>
+              <a:rPr lang="tr-TR"/>
+              <a:t>Yunus Santur</a:t>
+            </a:r>
+          </a:p>
+        </p:txBody>
+      </p:sp>
+    </p:spTree>
+    <p:extLst>
+      <p:ext uri="{BB962C8B-B14F-4D97-AF65-F5344CB8AC3E}">
+        <p14:creationId xmlns:p14="http://schemas.microsoft.com/office/powerpoint/2010/main" val="3117186900"/>
       </p:ext>
     </p:extLst>
   </p:cSld>
@@ -7775,7 +8062,7 @@
             </a:pPr>
             <a:r>
               <a:rPr lang="tr-TR" dirty="0"/>
-              <a:t>Soru: İndislere de erişmek istersek ?</a:t>
+              <a:t>Soru: Döngülerde indislere de erişmek istersek ?</a:t>
             </a:r>
           </a:p>
           <a:p>
@@ -7788,7 +8075,7 @@
             </a:r>
             <a:r>
               <a:rPr lang="tr-TR" dirty="0" err="1"/>
-              <a:t>Enumerate</a:t>
+              <a:t>enumerate</a:t>
             </a:r>
             <a:endParaRPr lang="tr-TR" dirty="0"/>
           </a:p>

--- a/H3/H3.pptx
+++ b/H3/H3.pptx
@@ -7354,17 +7354,26 @@
           </a:p>
           <a:p>
             <a:r>
-              <a:rPr lang="tr-TR" dirty="0"/>
-              <a:t>10 elemanlı bir liste üretilecek (bu listenin her bir elemanı 5 elemanlı 0-1 arası değer içeren </a:t>
-            </a:r>
-            <a:r>
-              <a:rPr lang="tr-TR" dirty="0" err="1"/>
-              <a:t>random</a:t>
-            </a:r>
-            <a:r>
-              <a:rPr lang="tr-TR" dirty="0"/>
-              <a:t> elemanlardan oluşacak) 2.boyuttaki listelerin toplamları birbirine en yakın 2 eleman bulunarak yazdırılacak.</a:t>
-            </a:r>
+              <a:rPr lang="tr-TR" dirty="0" err="1"/>
+              <a:t>random.random</a:t>
+            </a:r>
+            <a:r>
+              <a:rPr lang="tr-TR" dirty="0"/>
+              <a:t>() ile üretilecek 100 tane </a:t>
+            </a:r>
+            <a:r>
+              <a:rPr lang="tr-TR"/>
+              <a:t>sayı içinde </a:t>
+            </a:r>
+            <a:r>
+              <a:rPr lang="tr-TR" dirty="0"/>
+              <a:t>birbirine en yakın iki sayıyı bulan </a:t>
+            </a:r>
+            <a:r>
+              <a:rPr lang="tr-TR"/>
+              <a:t>programı kodlayın.</a:t>
+            </a:r>
+            <a:endParaRPr lang="tr-TR" dirty="0"/>
           </a:p>
           <a:p>
             <a:pPr marL="914400" lvl="2" indent="0">
